--- a/images/Presentation1.pptx
+++ b/images/Presentation1.pptx
@@ -104,6 +104,11 @@
       </a:defRPr>
     </a:lvl9pPr>
   </p:defaultTextStyle>
+  <p:extLst>
+    <p:ext uri="{EFAFB233-063F-42B5-8137-9DF3F51BA10A}">
+      <p15:sldGuideLst xmlns:p15="http://schemas.microsoft.com/office/powerpoint/2012/main"/>
+    </p:ext>
+  </p:extLst>
 </p:presentation>
 </file>
 
@@ -238,7 +243,7 @@
           <a:p>
             <a:fld id="{B0C8D565-ECBB-467A-A41A-F798BE08ECE3}" type="datetimeFigureOut">
               <a:rPr lang="en-IN" smtClean="0"/>
-              <a:t>24-07-2020</a:t>
+              <a:t>18-08-2020</a:t>
             </a:fld>
             <a:endParaRPr lang="en-IN"/>
           </a:p>
@@ -408,7 +413,7 @@
           <a:p>
             <a:fld id="{B0C8D565-ECBB-467A-A41A-F798BE08ECE3}" type="datetimeFigureOut">
               <a:rPr lang="en-IN" smtClean="0"/>
-              <a:t>24-07-2020</a:t>
+              <a:t>18-08-2020</a:t>
             </a:fld>
             <a:endParaRPr lang="en-IN"/>
           </a:p>
@@ -588,7 +593,7 @@
           <a:p>
             <a:fld id="{B0C8D565-ECBB-467A-A41A-F798BE08ECE3}" type="datetimeFigureOut">
               <a:rPr lang="en-IN" smtClean="0"/>
-              <a:t>24-07-2020</a:t>
+              <a:t>18-08-2020</a:t>
             </a:fld>
             <a:endParaRPr lang="en-IN"/>
           </a:p>
@@ -758,7 +763,7 @@
           <a:p>
             <a:fld id="{B0C8D565-ECBB-467A-A41A-F798BE08ECE3}" type="datetimeFigureOut">
               <a:rPr lang="en-IN" smtClean="0"/>
-              <a:t>24-07-2020</a:t>
+              <a:t>18-08-2020</a:t>
             </a:fld>
             <a:endParaRPr lang="en-IN"/>
           </a:p>
@@ -1004,7 +1009,7 @@
           <a:p>
             <a:fld id="{B0C8D565-ECBB-467A-A41A-F798BE08ECE3}" type="datetimeFigureOut">
               <a:rPr lang="en-IN" smtClean="0"/>
-              <a:t>24-07-2020</a:t>
+              <a:t>18-08-2020</a:t>
             </a:fld>
             <a:endParaRPr lang="en-IN"/>
           </a:p>
@@ -1236,7 +1241,7 @@
           <a:p>
             <a:fld id="{B0C8D565-ECBB-467A-A41A-F798BE08ECE3}" type="datetimeFigureOut">
               <a:rPr lang="en-IN" smtClean="0"/>
-              <a:t>24-07-2020</a:t>
+              <a:t>18-08-2020</a:t>
             </a:fld>
             <a:endParaRPr lang="en-IN"/>
           </a:p>
@@ -1603,7 +1608,7 @@
           <a:p>
             <a:fld id="{B0C8D565-ECBB-467A-A41A-F798BE08ECE3}" type="datetimeFigureOut">
               <a:rPr lang="en-IN" smtClean="0"/>
-              <a:t>24-07-2020</a:t>
+              <a:t>18-08-2020</a:t>
             </a:fld>
             <a:endParaRPr lang="en-IN"/>
           </a:p>
@@ -1721,7 +1726,7 @@
           <a:p>
             <a:fld id="{B0C8D565-ECBB-467A-A41A-F798BE08ECE3}" type="datetimeFigureOut">
               <a:rPr lang="en-IN" smtClean="0"/>
-              <a:t>24-07-2020</a:t>
+              <a:t>18-08-2020</a:t>
             </a:fld>
             <a:endParaRPr lang="en-IN"/>
           </a:p>
@@ -1816,7 +1821,7 @@
           <a:p>
             <a:fld id="{B0C8D565-ECBB-467A-A41A-F798BE08ECE3}" type="datetimeFigureOut">
               <a:rPr lang="en-IN" smtClean="0"/>
-              <a:t>24-07-2020</a:t>
+              <a:t>18-08-2020</a:t>
             </a:fld>
             <a:endParaRPr lang="en-IN"/>
           </a:p>
@@ -2093,7 +2098,7 @@
           <a:p>
             <a:fld id="{B0C8D565-ECBB-467A-A41A-F798BE08ECE3}" type="datetimeFigureOut">
               <a:rPr lang="en-IN" smtClean="0"/>
-              <a:t>24-07-2020</a:t>
+              <a:t>18-08-2020</a:t>
             </a:fld>
             <a:endParaRPr lang="en-IN"/>
           </a:p>
@@ -2346,7 +2351,7 @@
           <a:p>
             <a:fld id="{B0C8D565-ECBB-467A-A41A-F798BE08ECE3}" type="datetimeFigureOut">
               <a:rPr lang="en-IN" smtClean="0"/>
-              <a:t>24-07-2020</a:t>
+              <a:t>18-08-2020</a:t>
             </a:fld>
             <a:endParaRPr lang="en-IN"/>
           </a:p>
@@ -2559,7 +2564,7 @@
           <a:p>
             <a:fld id="{B0C8D565-ECBB-467A-A41A-F798BE08ECE3}" type="datetimeFigureOut">
               <a:rPr lang="en-IN" smtClean="0"/>
-              <a:t>24-07-2020</a:t>
+              <a:t>18-08-2020</a:t>
             </a:fld>
             <a:endParaRPr lang="en-IN"/>
           </a:p>
@@ -2986,8 +2991,8 @@
         </p:blipFill>
         <p:spPr>
           <a:xfrm>
-            <a:off x="566003" y="555707"/>
-            <a:ext cx="2779622" cy="2601442"/>
+            <a:off x="619791" y="655105"/>
+            <a:ext cx="2567210" cy="2402646"/>
           </a:xfrm>
           <a:prstGeom prst="rect">
             <a:avLst/>
@@ -3002,7 +3007,7 @@
         </p:nvSpPr>
         <p:spPr>
           <a:xfrm>
-            <a:off x="3456788" y="0"/>
+            <a:off x="3079425" y="332934"/>
             <a:ext cx="8735212" cy="3046988"/>
           </a:xfrm>
           <a:prstGeom prst="rect">
@@ -3019,7 +3024,10 @@
             <a:r>
               <a:rPr lang="en-IN" sz="19200" dirty="0" smtClean="0">
                 <a:solidFill>
-                  <a:srgbClr val="2B3363"/>
+                  <a:schemeClr val="accent1">
+                    <a:lumMod val="40000"/>
+                    <a:lumOff val="60000"/>
+                  </a:schemeClr>
                 </a:solidFill>
                 <a:latin typeface="Cinzel" panose="00000500000000000000" pitchFamily="50" charset="0"/>
               </a:rPr>
@@ -3027,53 +3035,55 @@
             </a:r>
             <a:endParaRPr lang="en-IN" sz="19200" dirty="0">
               <a:solidFill>
-                <a:srgbClr val="2B3363"/>
+                <a:schemeClr val="accent1">
+                  <a:lumMod val="40000"/>
+                  <a:lumOff val="60000"/>
+                </a:schemeClr>
               </a:solidFill>
               <a:latin typeface="Cinzel" panose="00000500000000000000" pitchFamily="50" charset="0"/>
             </a:endParaRPr>
           </a:p>
         </p:txBody>
       </p:sp>
-      <p:sp>
-        <p:nvSpPr>
-          <p:cNvPr id="6" name="TextBox 5"/>
-          <p:cNvSpPr txBox="1"/>
+      <p:pic>
+        <p:nvPicPr>
+          <p:cNvPr id="2" name="Picture 1"/>
+          <p:cNvPicPr>
+            <a:picLocks noChangeAspect="1"/>
+          </p:cNvPicPr>
           <p:nvPr/>
-        </p:nvSpPr>
+        </p:nvPicPr>
+        <p:blipFill>
+          <a:blip r:embed="rId3">
+            <a:extLst>
+              <a:ext uri="{BEBA8EAE-BF5A-486C-A8C5-ECC9F3942E4B}">
+                <a14:imgProps xmlns:a14="http://schemas.microsoft.com/office/drawing/2010/main">
+                  <a14:imgLayer r:embed="rId4">
+                    <a14:imgEffect>
+                      <a14:artisticBlur/>
+                    </a14:imgEffect>
+                  </a14:imgLayer>
+                </a14:imgProps>
+              </a:ext>
+              <a:ext uri="{28A0092B-C50C-407E-A947-70E740481C1C}">
+                <a14:useLocalDpi xmlns:a14="http://schemas.microsoft.com/office/drawing/2010/main" val="0"/>
+              </a:ext>
+            </a:extLst>
+          </a:blip>
+          <a:stretch>
+            <a:fillRect/>
+          </a:stretch>
+        </p:blipFill>
         <p:spPr>
           <a:xfrm>
-            <a:off x="3679114" y="2633929"/>
-            <a:ext cx="9079455" cy="523220"/>
+            <a:off x="0" y="0"/>
+            <a:ext cx="12192000" cy="6858000"/>
           </a:xfrm>
           <a:prstGeom prst="rect">
             <a:avLst/>
           </a:prstGeom>
-          <a:noFill/>
         </p:spPr>
-        <p:txBody>
-          <a:bodyPr wrap="square" rtlCol="0">
-            <a:spAutoFit/>
-          </a:bodyPr>
-          <a:lstStyle/>
-          <a:p>
-            <a:r>
-              <a:rPr lang="en-IN" sz="2800" dirty="0" smtClean="0">
-                <a:solidFill>
-                  <a:srgbClr val="2B3363"/>
-                </a:solidFill>
-                <a:latin typeface="Cinzel" panose="00000500000000000000" pitchFamily="50" charset="0"/>
-              </a:rPr>
-              <a:t>Indian Rare Movement Disorder Consortia</a:t>
-            </a:r>
-            <a:endParaRPr lang="en-IN" sz="2800" dirty="0">
-              <a:solidFill>
-                <a:srgbClr val="2B3363"/>
-              </a:solidFill>
-              <a:latin typeface="Cinzel" panose="00000500000000000000" pitchFamily="50" charset="0"/>
-            </a:endParaRPr>
-          </a:p>
-        </p:txBody>
-      </p:sp>
+      </p:pic>
     </p:spTree>
     <p:extLst>
       <p:ext uri="{BB962C8B-B14F-4D97-AF65-F5344CB8AC3E}">
